--- a/Documents/Tuan2/Quản lý quy trình phần mềm.pptx
+++ b/Documents/Tuan2/Quản lý quy trình phần mềm.pptx
@@ -13,7 +13,8 @@
     <p:sldId id="305" r:id="rId7"/>
     <p:sldId id="302" r:id="rId8"/>
     <p:sldId id="303" r:id="rId9"/>
-    <p:sldId id="304" r:id="rId10"/>
+    <p:sldId id="307" r:id="rId10"/>
+    <p:sldId id="304" r:id="rId11"/>
   </p:sldIdLst>
   <p:sldSz cx="12192000" cy="6858000"/>
   <p:notesSz cx="6858000" cy="9144000"/>
@@ -364,7 +365,7 @@
           <a:p>
             <a:fld id="{9184DA70-C731-4C70-880D-CCD4705E623C}" type="datetime1">
               <a:rPr lang="en-US" smtClean="0"/>
-              <a:t>11/09/2019</a:t>
+              <a:t>11/9/2019</a:t>
             </a:fld>
             <a:endParaRPr lang="en-US" dirty="0"/>
           </a:p>
@@ -552,7 +553,7 @@
           <a:p>
             <a:fld id="{B612A279-0833-481D-8C56-F67FD0AC6C50}" type="datetime1">
               <a:rPr lang="en-US" smtClean="0"/>
-              <a:t>11/09/2019</a:t>
+              <a:t>11/9/2019</a:t>
             </a:fld>
             <a:endParaRPr lang="en-US" dirty="0"/>
           </a:p>
@@ -794,7 +795,7 @@
           <a:p>
             <a:fld id="{6587DA83-5663-4C9C-B9AA-0B40A3DAFF81}" type="datetime1">
               <a:rPr lang="en-US" smtClean="0"/>
-              <a:t>11/09/2019</a:t>
+              <a:t>11/9/2019</a:t>
             </a:fld>
             <a:endParaRPr lang="en-US" dirty="0"/>
           </a:p>
@@ -982,7 +983,7 @@
           <a:p>
             <a:fld id="{4BE1D723-8F53-4F53-90B0-1982A396982E}" type="datetime1">
               <a:rPr lang="en-US" smtClean="0"/>
-              <a:t>11/09/2019</a:t>
+              <a:t>11/9/2019</a:t>
             </a:fld>
             <a:endParaRPr lang="en-US" dirty="0"/>
           </a:p>
@@ -1355,7 +1356,7 @@
           <a:p>
             <a:fld id="{97669AF7-7BEB-44E4-9852-375E34362B5B}" type="datetime1">
               <a:rPr lang="en-US" smtClean="0"/>
-              <a:t>11/09/2019</a:t>
+              <a:t>11/9/2019</a:t>
             </a:fld>
             <a:endParaRPr lang="en-US" dirty="0"/>
           </a:p>
@@ -1610,7 +1611,7 @@
           <a:p>
             <a:fld id="{BAAAC38D-0552-4C82-B593-E6124DFADBE2}" type="datetime1">
               <a:rPr lang="en-US" smtClean="0"/>
-              <a:t>11/09/2019</a:t>
+              <a:t>11/9/2019</a:t>
             </a:fld>
             <a:endParaRPr lang="en-US" dirty="0"/>
           </a:p>
@@ -2007,7 +2008,7 @@
           <a:p>
             <a:fld id="{D9DF0F1C-5577-4ACB-BB62-DF8F3C494C7E}" type="datetime1">
               <a:rPr lang="en-US" smtClean="0"/>
-              <a:t>11/09/2019</a:t>
+              <a:t>11/9/2019</a:t>
             </a:fld>
             <a:endParaRPr lang="en-US" dirty="0"/>
           </a:p>
@@ -2143,7 +2144,7 @@
           <a:p>
             <a:fld id="{1775B394-D9F9-4F0C-B15D-605F45CB9E9F}" type="datetime1">
               <a:rPr lang="en-US" smtClean="0"/>
-              <a:t>11/09/2019</a:t>
+              <a:t>11/9/2019</a:t>
             </a:fld>
             <a:endParaRPr lang="en-US" dirty="0"/>
           </a:p>
@@ -2300,7 +2301,7 @@
           <a:p>
             <a:fld id="{39667345-2558-425A-8533-9BFDBCE15005}" type="datetime1">
               <a:rPr lang="en-US" smtClean="0"/>
-              <a:t>11/09/2019</a:t>
+              <a:t>11/9/2019</a:t>
             </a:fld>
             <a:endParaRPr lang="en-US" dirty="0"/>
           </a:p>
@@ -2629,7 +2630,7 @@
           <a:p>
             <a:fld id="{92BEA474-078D-4E9B-9B14-09A87B19DC46}" type="datetime1">
               <a:rPr lang="en-US" smtClean="0"/>
-              <a:t>11/09/2019</a:t>
+              <a:t>11/9/2019</a:t>
             </a:fld>
             <a:endParaRPr lang="en-US" dirty="0"/>
           </a:p>
@@ -2979,7 +2980,7 @@
           <a:p>
             <a:fld id="{4907D986-8816-4272-A432-0437A28A9828}" type="datetime1">
               <a:rPr lang="en-US" smtClean="0"/>
-              <a:t>11/09/2019</a:t>
+              <a:t>11/9/2019</a:t>
             </a:fld>
             <a:endParaRPr lang="en-US" dirty="0"/>
           </a:p>
@@ -3240,7 +3241,7 @@
           <a:p>
             <a:fld id="{62D6E202-B606-4609-B914-27C9371A1F6D}" type="datetime1">
               <a:rPr lang="en-US" smtClean="0"/>
-              <a:t>11/09/2019</a:t>
+              <a:t>11/9/2019</a:t>
             </a:fld>
             <a:endParaRPr lang="en-US" dirty="0"/>
           </a:p>
@@ -3779,7 +3780,7 @@
                 <a16:creationId xmlns:a16="http://schemas.microsoft.com/office/drawing/2014/main" id="{A9286AD2-18A9-4868-A4E3-7A2097A20810}"/>
               </a:ext>
               <a:ext uri="{C183D7F6-B498-43B3-948B-1728B52AA6E4}">
-                <adec:decorative xmlns="" xmlns:adec="http://schemas.microsoft.com/office/drawing/2017/decorative" val="1"/>
+                <adec:decorative xmlns:adec="http://schemas.microsoft.com/office/drawing/2017/decorative" val="1"/>
               </a:ext>
             </a:extLst>
           </p:cNvPr>
@@ -4151,7 +4152,7 @@
                 <a16:creationId xmlns:a16="http://schemas.microsoft.com/office/drawing/2014/main" id="{E7A7CD63-7EC3-44F3-95D0-595C4019FF24}"/>
               </a:ext>
               <a:ext uri="{C183D7F6-B498-43B3-948B-1728B52AA6E4}">
-                <adec:decorative xmlns="" xmlns:adec="http://schemas.microsoft.com/office/drawing/2017/decorative" val="1"/>
+                <adec:decorative xmlns:adec="http://schemas.microsoft.com/office/drawing/2017/decorative" val="1"/>
               </a:ext>
             </a:extLst>
           </p:cNvPr>
@@ -4260,21 +4261,7 @@
                 <a:latin typeface="Times New Roman" panose="02020603050405020304" pitchFamily="18" charset="0"/>
                 <a:cs typeface="Times New Roman" panose="02020603050405020304" pitchFamily="18" charset="0"/>
               </a:rPr>
-              <a:t>Thực hiện</a:t>
-            </a:r>
-            <a:r>
-              <a:rPr lang="en-US" dirty="0" smtClean="0">
-                <a:latin typeface="Times New Roman" panose="02020603050405020304" pitchFamily="18" charset="0"/>
-                <a:cs typeface="Times New Roman" panose="02020603050405020304" pitchFamily="18" charset="0"/>
-              </a:rPr>
-              <a:t>: Nhóm </a:t>
-            </a:r>
-            <a:r>
-              <a:rPr lang="en-US" dirty="0">
-                <a:latin typeface="Times New Roman" panose="02020603050405020304" pitchFamily="18" charset="0"/>
-                <a:cs typeface="Times New Roman" panose="02020603050405020304" pitchFamily="18" charset="0"/>
-              </a:rPr>
-              <a:t>3</a:t>
+              <a:t>Thực hiện: Nhóm 3</a:t>
             </a:r>
           </a:p>
         </p:txBody>
@@ -4301,13 +4288,361 @@
       </p:transition>
     </mc:Fallback>
   </mc:AlternateContent>
-  <p:timing>
-    <p:tnLst>
-      <p:par>
-        <p:cTn id="1" dur="indefinite" restart="never" nodeType="tmRoot"/>
-      </p:par>
-    </p:tnLst>
-  </p:timing>
+</p:sld>
+</file>
+
+<file path=ppt/slides/slide10.xml><?xml version="1.0" encoding="utf-8"?>
+<p:sld xmlns:a="http://schemas.openxmlformats.org/drawingml/2006/main" xmlns:r="http://schemas.openxmlformats.org/officeDocument/2006/relationships" xmlns:p="http://schemas.openxmlformats.org/presentationml/2006/main">
+  <p:cSld>
+    <p:spTree>
+      <p:nvGrpSpPr>
+        <p:cNvPr id="1" name=""/>
+        <p:cNvGrpSpPr/>
+        <p:nvPr/>
+      </p:nvGrpSpPr>
+      <p:grpSpPr>
+        <a:xfrm>
+          <a:off x="0" y="0"/>
+          <a:ext cx="0" cy="0"/>
+          <a:chOff x="0" y="0"/>
+          <a:chExt cx="0" cy="0"/>
+        </a:xfrm>
+      </p:grpSpPr>
+      <p:sp>
+        <p:nvSpPr>
+          <p:cNvPr id="2" name="Title 1">
+            <a:extLst>
+              <a:ext uri="{FF2B5EF4-FFF2-40B4-BE49-F238E27FC236}">
+                <a16:creationId xmlns:a16="http://schemas.microsoft.com/office/drawing/2014/main" id="{30077EDF-77E4-4CDB-A245-7A8091F33963}"/>
+              </a:ext>
+            </a:extLst>
+          </p:cNvPr>
+          <p:cNvSpPr>
+            <a:spLocks noGrp="1"/>
+          </p:cNvSpPr>
+          <p:nvPr>
+            <p:ph type="title"/>
+          </p:nvPr>
+        </p:nvSpPr>
+        <p:spPr/>
+        <p:txBody>
+          <a:bodyPr>
+            <a:normAutofit/>
+          </a:bodyPr>
+          <a:lstStyle/>
+          <a:p>
+            <a:r>
+              <a:rPr lang="vi-VN" sz="2800" dirty="0"/>
+              <a:t>4. Mô hình phát triển phần mềm nào, phù hợp với thời gian, chi phí và nhân lực của nhóm, được nhóm lựa chọn để thực hiện đồ án? </a:t>
+            </a:r>
+            <a:br>
+              <a:rPr lang="en-US" sz="2800" dirty="0"/>
+            </a:br>
+            <a:endParaRPr lang="en-US" sz="2800" dirty="0"/>
+          </a:p>
+        </p:txBody>
+      </p:sp>
+      <p:sp>
+        <p:nvSpPr>
+          <p:cNvPr id="3" name="Content Placeholder 2">
+            <a:extLst>
+              <a:ext uri="{FF2B5EF4-FFF2-40B4-BE49-F238E27FC236}">
+                <a16:creationId xmlns:a16="http://schemas.microsoft.com/office/drawing/2014/main" id="{DC060F55-F42B-4A8B-9B05-52BCC630FBE9}"/>
+              </a:ext>
+            </a:extLst>
+          </p:cNvPr>
+          <p:cNvSpPr>
+            <a:spLocks noGrp="1"/>
+          </p:cNvSpPr>
+          <p:nvPr>
+            <p:ph idx="1"/>
+          </p:nvPr>
+        </p:nvSpPr>
+        <p:spPr>
+          <a:xfrm>
+            <a:off x="1097280" y="2108201"/>
+            <a:ext cx="10058400" cy="3987799"/>
+          </a:xfrm>
+        </p:spPr>
+        <p:txBody>
+          <a:bodyPr>
+            <a:noAutofit/>
+          </a:bodyPr>
+          <a:lstStyle/>
+          <a:p>
+            <a:r>
+              <a:rPr lang="en-US" sz="2400" b="1" dirty="0" err="1">
+                <a:latin typeface="Times New Roman" panose="02020603050405020304" pitchFamily="18" charset="0"/>
+                <a:cs typeface="Times New Roman" panose="02020603050405020304" pitchFamily="18" charset="0"/>
+              </a:rPr>
+              <a:t>Mô</a:t>
+            </a:r>
+            <a:r>
+              <a:rPr lang="en-US" sz="2400" b="1" dirty="0">
+                <a:latin typeface="Times New Roman" panose="02020603050405020304" pitchFamily="18" charset="0"/>
+                <a:cs typeface="Times New Roman" panose="02020603050405020304" pitchFamily="18" charset="0"/>
+              </a:rPr>
+              <a:t> </a:t>
+            </a:r>
+            <a:r>
+              <a:rPr lang="en-US" sz="2400" b="1" dirty="0" err="1">
+                <a:latin typeface="Times New Roman" panose="02020603050405020304" pitchFamily="18" charset="0"/>
+                <a:cs typeface="Times New Roman" panose="02020603050405020304" pitchFamily="18" charset="0"/>
+              </a:rPr>
+              <a:t>hình</a:t>
+            </a:r>
+            <a:endParaRPr lang="en-US" sz="2400" b="1" dirty="0">
+              <a:latin typeface="Times New Roman" panose="02020603050405020304" pitchFamily="18" charset="0"/>
+              <a:cs typeface="Times New Roman" panose="02020603050405020304" pitchFamily="18" charset="0"/>
+            </a:endParaRPr>
+          </a:p>
+          <a:p>
+            <a:r>
+              <a:rPr lang="en-US" sz="2400" dirty="0" err="1">
+                <a:latin typeface="Times New Roman" panose="02020603050405020304" pitchFamily="18" charset="0"/>
+                <a:cs typeface="Times New Roman" panose="02020603050405020304" pitchFamily="18" charset="0"/>
+              </a:rPr>
+              <a:t>Mô</a:t>
+            </a:r>
+            <a:r>
+              <a:rPr lang="en-US" sz="2400" dirty="0">
+                <a:latin typeface="Times New Roman" panose="02020603050405020304" pitchFamily="18" charset="0"/>
+                <a:cs typeface="Times New Roman" panose="02020603050405020304" pitchFamily="18" charset="0"/>
+              </a:rPr>
+              <a:t> </a:t>
+            </a:r>
+            <a:r>
+              <a:rPr lang="en-US" sz="2400" dirty="0" err="1">
+                <a:latin typeface="Times New Roman" panose="02020603050405020304" pitchFamily="18" charset="0"/>
+                <a:cs typeface="Times New Roman" panose="02020603050405020304" pitchFamily="18" charset="0"/>
+              </a:rPr>
+              <a:t>hình</a:t>
+            </a:r>
+            <a:r>
+              <a:rPr lang="en-US" sz="2400" dirty="0">
+                <a:latin typeface="Times New Roman" panose="02020603050405020304" pitchFamily="18" charset="0"/>
+                <a:cs typeface="Times New Roman" panose="02020603050405020304" pitchFamily="18" charset="0"/>
+              </a:rPr>
+              <a:t> </a:t>
+            </a:r>
+            <a:r>
+              <a:rPr lang="en-US" sz="2400" dirty="0" err="1">
+                <a:latin typeface="Times New Roman" panose="02020603050405020304" pitchFamily="18" charset="0"/>
+                <a:cs typeface="Times New Roman" panose="02020603050405020304" pitchFamily="18" charset="0"/>
+              </a:rPr>
+              <a:t>phát</a:t>
+            </a:r>
+            <a:r>
+              <a:rPr lang="en-US" sz="2400" dirty="0">
+                <a:latin typeface="Times New Roman" panose="02020603050405020304" pitchFamily="18" charset="0"/>
+                <a:cs typeface="Times New Roman" panose="02020603050405020304" pitchFamily="18" charset="0"/>
+              </a:rPr>
+              <a:t> </a:t>
+            </a:r>
+            <a:r>
+              <a:rPr lang="en-US" sz="2400" dirty="0" err="1">
+                <a:latin typeface="Times New Roman" panose="02020603050405020304" pitchFamily="18" charset="0"/>
+                <a:cs typeface="Times New Roman" panose="02020603050405020304" pitchFamily="18" charset="0"/>
+              </a:rPr>
+              <a:t>triển</a:t>
+            </a:r>
+            <a:r>
+              <a:rPr lang="en-US" sz="2400" dirty="0">
+                <a:latin typeface="Times New Roman" panose="02020603050405020304" pitchFamily="18" charset="0"/>
+                <a:cs typeface="Times New Roman" panose="02020603050405020304" pitchFamily="18" charset="0"/>
+              </a:rPr>
+              <a:t> </a:t>
+            </a:r>
+            <a:r>
+              <a:rPr lang="en-US" sz="2400" dirty="0" err="1">
+                <a:latin typeface="Times New Roman" panose="02020603050405020304" pitchFamily="18" charset="0"/>
+                <a:cs typeface="Times New Roman" panose="02020603050405020304" pitchFamily="18" charset="0"/>
+              </a:rPr>
+              <a:t>phù</a:t>
+            </a:r>
+            <a:r>
+              <a:rPr lang="en-US" sz="2400" dirty="0">
+                <a:latin typeface="Times New Roman" panose="02020603050405020304" pitchFamily="18" charset="0"/>
+                <a:cs typeface="Times New Roman" panose="02020603050405020304" pitchFamily="18" charset="0"/>
+              </a:rPr>
+              <a:t> </a:t>
+            </a:r>
+            <a:r>
+              <a:rPr lang="en-US" sz="2400" dirty="0" err="1">
+                <a:latin typeface="Times New Roman" panose="02020603050405020304" pitchFamily="18" charset="0"/>
+                <a:cs typeface="Times New Roman" panose="02020603050405020304" pitchFamily="18" charset="0"/>
+              </a:rPr>
+              <a:t>hợp</a:t>
+            </a:r>
+            <a:r>
+              <a:rPr lang="en-US" sz="2400" dirty="0">
+                <a:latin typeface="Times New Roman" panose="02020603050405020304" pitchFamily="18" charset="0"/>
+                <a:cs typeface="Times New Roman" panose="02020603050405020304" pitchFamily="18" charset="0"/>
+              </a:rPr>
+              <a:t> </a:t>
+            </a:r>
+            <a:r>
+              <a:rPr lang="en-US" sz="2400" dirty="0" err="1">
+                <a:latin typeface="Times New Roman" panose="02020603050405020304" pitchFamily="18" charset="0"/>
+                <a:cs typeface="Times New Roman" panose="02020603050405020304" pitchFamily="18" charset="0"/>
+              </a:rPr>
+              <a:t>vói</a:t>
+            </a:r>
+            <a:r>
+              <a:rPr lang="en-US" sz="2400" dirty="0">
+                <a:latin typeface="Times New Roman" panose="02020603050405020304" pitchFamily="18" charset="0"/>
+                <a:cs typeface="Times New Roman" panose="02020603050405020304" pitchFamily="18" charset="0"/>
+              </a:rPr>
+              <a:t> </a:t>
+            </a:r>
+            <a:r>
+              <a:rPr lang="en-US" sz="2400" dirty="0" err="1">
+                <a:latin typeface="Times New Roman" panose="02020603050405020304" pitchFamily="18" charset="0"/>
+                <a:cs typeface="Times New Roman" panose="02020603050405020304" pitchFamily="18" charset="0"/>
+              </a:rPr>
+              <a:t>nhóm</a:t>
+            </a:r>
+            <a:r>
+              <a:rPr lang="en-US" sz="2400" dirty="0">
+                <a:latin typeface="Times New Roman" panose="02020603050405020304" pitchFamily="18" charset="0"/>
+                <a:cs typeface="Times New Roman" panose="02020603050405020304" pitchFamily="18" charset="0"/>
+              </a:rPr>
+              <a:t> </a:t>
+            </a:r>
+            <a:r>
+              <a:rPr lang="en-US" sz="2400" dirty="0" err="1">
+                <a:latin typeface="Times New Roman" panose="02020603050405020304" pitchFamily="18" charset="0"/>
+                <a:cs typeface="Times New Roman" panose="02020603050405020304" pitchFamily="18" charset="0"/>
+              </a:rPr>
+              <a:t>là</a:t>
+            </a:r>
+            <a:r>
+              <a:rPr lang="en-US" sz="2400" dirty="0">
+                <a:latin typeface="Times New Roman" panose="02020603050405020304" pitchFamily="18" charset="0"/>
+                <a:cs typeface="Times New Roman" panose="02020603050405020304" pitchFamily="18" charset="0"/>
+              </a:rPr>
+              <a:t> </a:t>
+            </a:r>
+            <a:r>
+              <a:rPr lang="en-US" sz="2400" dirty="0" err="1">
+                <a:latin typeface="Times New Roman" panose="02020603050405020304" pitchFamily="18" charset="0"/>
+                <a:cs typeface="Times New Roman" panose="02020603050405020304" pitchFamily="18" charset="0"/>
+              </a:rPr>
+              <a:t>Mô</a:t>
+            </a:r>
+            <a:r>
+              <a:rPr lang="en-US" sz="2400" dirty="0">
+                <a:latin typeface="Times New Roman" panose="02020603050405020304" pitchFamily="18" charset="0"/>
+                <a:cs typeface="Times New Roman" panose="02020603050405020304" pitchFamily="18" charset="0"/>
+              </a:rPr>
+              <a:t> </a:t>
+            </a:r>
+            <a:r>
+              <a:rPr lang="en-US" sz="2400" dirty="0" err="1">
+                <a:latin typeface="Times New Roman" panose="02020603050405020304" pitchFamily="18" charset="0"/>
+                <a:cs typeface="Times New Roman" panose="02020603050405020304" pitchFamily="18" charset="0"/>
+              </a:rPr>
+              <a:t>hình</a:t>
+            </a:r>
+            <a:r>
+              <a:rPr lang="en-US" sz="2400" dirty="0">
+                <a:latin typeface="Times New Roman" panose="02020603050405020304" pitchFamily="18" charset="0"/>
+                <a:cs typeface="Times New Roman" panose="02020603050405020304" pitchFamily="18" charset="0"/>
+              </a:rPr>
+              <a:t> Scrum</a:t>
+            </a:r>
+          </a:p>
+          <a:p>
+            <a:r>
+              <a:rPr lang="en-US" sz="2400" b="1" dirty="0">
+                <a:latin typeface="Times New Roman" panose="02020603050405020304" pitchFamily="18" charset="0"/>
+                <a:cs typeface="Times New Roman" panose="02020603050405020304" pitchFamily="18" charset="0"/>
+              </a:rPr>
+              <a:t>Chi phí</a:t>
+            </a:r>
+          </a:p>
+          <a:p>
+            <a:pPr>
+              <a:buFont typeface="Arial" panose="020B0604020202020204" pitchFamily="34" charset="0"/>
+              <a:buChar char="•"/>
+            </a:pPr>
+            <a:r>
+              <a:rPr lang="en-US" sz="2400" dirty="0">
+                <a:latin typeface="Times New Roman" panose="02020603050405020304" pitchFamily="18" charset="0"/>
+                <a:cs typeface="Times New Roman" panose="02020603050405020304" pitchFamily="18" charset="0"/>
+              </a:rPr>
+              <a:t> Học phí: 11.250.000 VNĐ</a:t>
+            </a:r>
+          </a:p>
+          <a:p>
+            <a:pPr>
+              <a:buFont typeface="Arial" panose="020B0604020202020204" pitchFamily="34" charset="0"/>
+              <a:buChar char="•"/>
+            </a:pPr>
+            <a:r>
+              <a:rPr lang="en-US" sz="2400" dirty="0">
+                <a:latin typeface="Times New Roman" panose="02020603050405020304" pitchFamily="18" charset="0"/>
+                <a:cs typeface="Times New Roman" panose="02020603050405020304" pitchFamily="18" charset="0"/>
+              </a:rPr>
+              <a:t>Mua tên miền và duy trì tên miền: 380.000 VNĐ/năm.</a:t>
+            </a:r>
+          </a:p>
+          <a:p>
+            <a:pPr>
+              <a:buFont typeface="Arial" panose="020B0604020202020204" pitchFamily="34" charset="0"/>
+              <a:buChar char="•"/>
+            </a:pPr>
+            <a:r>
+              <a:rPr lang="en-US" sz="2400" dirty="0">
+                <a:latin typeface="Times New Roman" panose="02020603050405020304" pitchFamily="18" charset="0"/>
+                <a:cs typeface="Times New Roman" panose="02020603050405020304" pitchFamily="18" charset="0"/>
+              </a:rPr>
+              <a:t> Chi phí cloud: ~300.000 VNĐ/tháng, tùy vào lượng user sử dụng.</a:t>
+            </a:r>
+          </a:p>
+          <a:p>
+            <a:pPr>
+              <a:buFont typeface="Arial" panose="020B0604020202020204" pitchFamily="34" charset="0"/>
+              <a:buChar char="•"/>
+            </a:pPr>
+            <a:r>
+              <a:rPr lang="en-US" sz="2400" dirty="0">
+                <a:latin typeface="Times New Roman" panose="02020603050405020304" pitchFamily="18" charset="0"/>
+                <a:cs typeface="Times New Roman" panose="02020603050405020304" pitchFamily="18" charset="0"/>
+              </a:rPr>
+              <a:t> Marketing: ~1.000.000 VNĐ</a:t>
+            </a:r>
+          </a:p>
+          <a:p>
+            <a:endParaRPr lang="en-US" sz="2400" dirty="0">
+              <a:latin typeface="Times New Roman" panose="02020603050405020304" pitchFamily="18" charset="0"/>
+              <a:cs typeface="Times New Roman" panose="02020603050405020304" pitchFamily="18" charset="0"/>
+            </a:endParaRPr>
+          </a:p>
+        </p:txBody>
+      </p:sp>
+    </p:spTree>
+    <p:extLst>
+      <p:ext uri="{BB962C8B-B14F-4D97-AF65-F5344CB8AC3E}">
+        <p14:creationId xmlns:p14="http://schemas.microsoft.com/office/powerpoint/2010/main" val="2565327400"/>
+      </p:ext>
+    </p:extLst>
+  </p:cSld>
+  <p:clrMapOvr>
+    <a:masterClrMapping/>
+  </p:clrMapOvr>
+  <mc:AlternateContent xmlns:mc="http://schemas.openxmlformats.org/markup-compatibility/2006" xmlns:p15="http://schemas.microsoft.com/office/powerpoint/2012/main">
+    <mc:Choice Requires="p15">
+      <p:transition xmlns:p14="http://schemas.microsoft.com/office/powerpoint/2010/main" spd="slow" p14:dur="2000">
+        <p15:prstTrans prst="wind"/>
+      </p:transition>
+    </mc:Choice>
+    <mc:Fallback xmlns="">
+      <p:transition spd="slow">
+        <p:fade/>
+      </p:transition>
+    </mc:Fallback>
+  </mc:AlternateContent>
 </p:sld>
 </file>
 
@@ -4344,7 +4679,7 @@
                 <a16:creationId xmlns:a16="http://schemas.microsoft.com/office/drawing/2014/main" id="{F64BBAA4-C62B-4146-B49F-FE4CC4655EE0}"/>
               </a:ext>
               <a:ext uri="{C183D7F6-B498-43B3-948B-1728B52AA6E4}">
-                <adec:decorative xmlns="" xmlns:adec="http://schemas.microsoft.com/office/drawing/2017/decorative" val="1"/>
+                <adec:decorative xmlns:adec="http://schemas.microsoft.com/office/drawing/2017/decorative" val="1"/>
               </a:ext>
             </a:extLst>
           </p:cNvPr>
@@ -4442,7 +4777,7 @@
                 <a16:creationId xmlns:a16="http://schemas.microsoft.com/office/drawing/2014/main" id="{EEB57AA8-F021-480C-A9E2-F89913313611}"/>
               </a:ext>
               <a:ext uri="{C183D7F6-B498-43B3-948B-1728B52AA6E4}">
-                <adec:decorative xmlns="" xmlns:adec="http://schemas.microsoft.com/office/drawing/2017/decorative" val="1"/>
+                <adec:decorative xmlns:adec="http://schemas.microsoft.com/office/drawing/2017/decorative" val="1"/>
               </a:ext>
             </a:extLst>
           </p:cNvPr>
@@ -4529,7 +4864,7 @@
                 <a16:creationId xmlns:a16="http://schemas.microsoft.com/office/drawing/2014/main" id="{75CF30C0-9394-4459-976E-2AA223FB125F}"/>
               </a:ext>
               <a:ext uri="{C183D7F6-B498-43B3-948B-1728B52AA6E4}">
-                <adec:decorative xmlns="" xmlns:adec="http://schemas.microsoft.com/office/drawing/2017/decorative" val="1"/>
+                <adec:decorative xmlns:adec="http://schemas.microsoft.com/office/drawing/2017/decorative" val="1"/>
               </a:ext>
             </a:extLst>
           </p:cNvPr>
@@ -4598,7 +4933,7 @@
         </p:nvGraphicFramePr>
         <p:xfrm>
           <a:off x="4653447" y="805561"/>
-          <a:ext cx="6892560" cy="4908056"/>
+          <a:ext cx="6892560" cy="4901437"/>
         </p:xfrm>
         <a:graphic>
           <a:graphicData uri="http://schemas.openxmlformats.org/drawingml/2006/table">
@@ -5753,13 +6088,6 @@
       </p:transition>
     </mc:Fallback>
   </mc:AlternateContent>
-  <p:timing>
-    <p:tnLst>
-      <p:par>
-        <p:cTn id="1" dur="indefinite" restart="never" nodeType="tmRoot"/>
-      </p:par>
-    </p:tnLst>
-  </p:timing>
 </p:sld>
 </file>
 
@@ -5796,16 +6124,12 @@
           <a:lstStyle/>
           <a:p>
             <a:r>
-              <a:rPr lang="en-US" dirty="0" smtClean="0">
+              <a:rPr lang="en-US" dirty="0">
                 <a:latin typeface="Times New Roman" panose="02020603050405020304" pitchFamily="18" charset="0"/>
                 <a:cs typeface="Times New Roman" panose="02020603050405020304" pitchFamily="18" charset="0"/>
               </a:rPr>
               <a:t>Các câu hỏi thuyết trình</a:t>
             </a:r>
-            <a:endParaRPr lang="en-US" dirty="0">
-              <a:latin typeface="Times New Roman" panose="02020603050405020304" pitchFamily="18" charset="0"/>
-              <a:cs typeface="Times New Roman" panose="02020603050405020304" pitchFamily="18" charset="0"/>
-            </a:endParaRPr>
           </a:p>
         </p:txBody>
       </p:sp>
@@ -5836,30 +6160,23 @@
                 <a:latin typeface="Times New Roman" panose="02020603050405020304" pitchFamily="18" charset="0"/>
                 <a:cs typeface="Times New Roman" panose="02020603050405020304" pitchFamily="18" charset="0"/>
               </a:rPr>
-              <a:t>Trình bày sản phẩm “Tóm tắt thực thi (Executive Summary)” </a:t>
-            </a:r>
-            <a:r>
-              <a:rPr lang="vi-VN" dirty="0" smtClean="0">
-                <a:latin typeface="Times New Roman" panose="02020603050405020304" pitchFamily="18" charset="0"/>
-                <a:cs typeface="Times New Roman" panose="02020603050405020304" pitchFamily="18" charset="0"/>
-              </a:rPr>
-              <a:t>của</a:t>
-            </a:r>
-            <a:r>
-              <a:rPr lang="en-US" dirty="0" smtClean="0">
-                <a:latin typeface="Times New Roman" panose="02020603050405020304" pitchFamily="18" charset="0"/>
-                <a:cs typeface="Times New Roman" panose="02020603050405020304" pitchFamily="18" charset="0"/>
-              </a:rPr>
-              <a:t> </a:t>
-            </a:r>
-            <a:r>
-              <a:rPr lang="vi-VN" dirty="0" smtClean="0">
+              <a:t>Trình bày sản phẩm “Tóm tắt thực thi (Executive Summary)” của</a:t>
+            </a:r>
+            <a:r>
+              <a:rPr lang="en-US" dirty="0">
+                <a:latin typeface="Times New Roman" panose="02020603050405020304" pitchFamily="18" charset="0"/>
+                <a:cs typeface="Times New Roman" panose="02020603050405020304" pitchFamily="18" charset="0"/>
+              </a:rPr>
+              <a:t> </a:t>
+            </a:r>
+            <a:r>
+              <a:rPr lang="vi-VN" dirty="0">
                 <a:latin typeface="Times New Roman" panose="02020603050405020304" pitchFamily="18" charset="0"/>
                 <a:cs typeface="Times New Roman" panose="02020603050405020304" pitchFamily="18" charset="0"/>
               </a:rPr>
               <a:t>nhóm. </a:t>
             </a:r>
-            <a:endParaRPr lang="en-US" dirty="0" smtClean="0">
+            <a:endParaRPr lang="en-US" dirty="0">
               <a:latin typeface="Times New Roman" panose="02020603050405020304" pitchFamily="18" charset="0"/>
               <a:cs typeface="Times New Roman" panose="02020603050405020304" pitchFamily="18" charset="0"/>
             </a:endParaRPr>
@@ -5871,56 +6188,28 @@
               <a:buAutoNum type="arabicPeriod"/>
             </a:pPr>
             <a:r>
-              <a:rPr lang="vi-VN" dirty="0" smtClean="0">
-                <a:latin typeface="Times New Roman" panose="02020603050405020304" pitchFamily="18" charset="0"/>
-                <a:cs typeface="Times New Roman" panose="02020603050405020304" pitchFamily="18" charset="0"/>
-              </a:rPr>
-              <a:t>Trình </a:t>
-            </a:r>
-            <a:r>
               <a:rPr lang="vi-VN" dirty="0">
                 <a:latin typeface="Times New Roman" panose="02020603050405020304" pitchFamily="18" charset="0"/>
                 <a:cs typeface="Times New Roman" panose="02020603050405020304" pitchFamily="18" charset="0"/>
               </a:rPr>
-              <a:t>bày sản phẩm “Viễn cảnh và phạm vi dự án (Project Vision </a:t>
-            </a:r>
-            <a:r>
-              <a:rPr lang="vi-VN" dirty="0" smtClean="0">
-                <a:latin typeface="Times New Roman" panose="02020603050405020304" pitchFamily="18" charset="0"/>
-                <a:cs typeface="Times New Roman" panose="02020603050405020304" pitchFamily="18" charset="0"/>
-              </a:rPr>
-              <a:t>and</a:t>
-            </a:r>
-            <a:r>
-              <a:rPr lang="en-US" dirty="0" smtClean="0">
-                <a:latin typeface="Times New Roman" panose="02020603050405020304" pitchFamily="18" charset="0"/>
-                <a:cs typeface="Times New Roman" panose="02020603050405020304" pitchFamily="18" charset="0"/>
-              </a:rPr>
-              <a:t> </a:t>
-            </a:r>
-            <a:r>
-              <a:rPr lang="vi-VN" dirty="0" smtClean="0">
-                <a:latin typeface="Times New Roman" panose="02020603050405020304" pitchFamily="18" charset="0"/>
-                <a:cs typeface="Times New Roman" panose="02020603050405020304" pitchFamily="18" charset="0"/>
-              </a:rPr>
-              <a:t>Scope</a:t>
+              <a:t>Trình bày sản phẩm “Viễn cảnh và phạm vi dự án (Project Vision and</a:t>
+            </a:r>
+            <a:r>
+              <a:rPr lang="en-US" dirty="0">
+                <a:latin typeface="Times New Roman" panose="02020603050405020304" pitchFamily="18" charset="0"/>
+                <a:cs typeface="Times New Roman" panose="02020603050405020304" pitchFamily="18" charset="0"/>
+              </a:rPr>
+              <a:t> </a:t>
             </a:r>
             <a:r>
               <a:rPr lang="vi-VN" dirty="0">
                 <a:latin typeface="Times New Roman" panose="02020603050405020304" pitchFamily="18" charset="0"/>
                 <a:cs typeface="Times New Roman" panose="02020603050405020304" pitchFamily="18" charset="0"/>
               </a:rPr>
-              <a:t>)” của </a:t>
-            </a:r>
-            <a:r>
-              <a:rPr lang="vi-VN" dirty="0" smtClean="0">
-                <a:latin typeface="Times New Roman" panose="02020603050405020304" pitchFamily="18" charset="0"/>
-                <a:cs typeface="Times New Roman" panose="02020603050405020304" pitchFamily="18" charset="0"/>
-              </a:rPr>
-              <a:t>nhóm</a:t>
-            </a:r>
-            <a:r>
-              <a:rPr lang="en-US" dirty="0" smtClean="0">
+              <a:t>Scope)” của nhóm</a:t>
+            </a:r>
+            <a:r>
+              <a:rPr lang="en-US" dirty="0">
                 <a:latin typeface="Times New Roman" panose="02020603050405020304" pitchFamily="18" charset="0"/>
                 <a:cs typeface="Times New Roman" panose="02020603050405020304" pitchFamily="18" charset="0"/>
               </a:rPr>
@@ -5934,25 +6223,11 @@
               <a:buAutoNum type="arabicPeriod"/>
             </a:pPr>
             <a:r>
-              <a:rPr lang="vi-VN" dirty="0" smtClean="0">
-                <a:latin typeface="Times New Roman" panose="02020603050405020304" pitchFamily="18" charset="0"/>
-                <a:cs typeface="Times New Roman" panose="02020603050405020304" pitchFamily="18" charset="0"/>
-              </a:rPr>
-              <a:t>Trình </a:t>
-            </a:r>
-            <a:r>
               <a:rPr lang="vi-VN" dirty="0">
                 <a:latin typeface="Times New Roman" panose="02020603050405020304" pitchFamily="18" charset="0"/>
                 <a:cs typeface="Times New Roman" panose="02020603050405020304" pitchFamily="18" charset="0"/>
               </a:rPr>
-              <a:t>bày sản phẩm “Ủy nhiệm dự án (Project Charter)” của </a:t>
-            </a:r>
-            <a:r>
-              <a:rPr lang="vi-VN" dirty="0" smtClean="0">
-                <a:latin typeface="Times New Roman" panose="02020603050405020304" pitchFamily="18" charset="0"/>
-                <a:cs typeface="Times New Roman" panose="02020603050405020304" pitchFamily="18" charset="0"/>
-              </a:rPr>
-              <a:t>nhóm.</a:t>
+              <a:t>Trình bày sản phẩm “Ủy nhiệm dự án (Project Charter)” của nhóm.</a:t>
             </a:r>
             <a:endParaRPr lang="en-US" dirty="0">
               <a:latin typeface="Times New Roman" panose="02020603050405020304" pitchFamily="18" charset="0"/>
@@ -5966,123 +6241,53 @@
               <a:buAutoNum type="arabicPeriod"/>
             </a:pPr>
             <a:r>
-              <a:rPr lang="vi-VN" dirty="0" smtClean="0">
-                <a:latin typeface="Times New Roman" panose="02020603050405020304" pitchFamily="18" charset="0"/>
-                <a:cs typeface="Times New Roman" panose="02020603050405020304" pitchFamily="18" charset="0"/>
-              </a:rPr>
-              <a:t>Trình </a:t>
-            </a:r>
-            <a:r>
               <a:rPr lang="vi-VN" dirty="0">
                 <a:latin typeface="Times New Roman" panose="02020603050405020304" pitchFamily="18" charset="0"/>
                 <a:cs typeface="Times New Roman" panose="02020603050405020304" pitchFamily="18" charset="0"/>
               </a:rPr>
-              <a:t>bày các sản phẩm: “Mockup”, “Bản mẫu (Prototype)”, và “</a:t>
-            </a:r>
-            <a:r>
-              <a:rPr lang="vi-VN" dirty="0" smtClean="0">
-                <a:latin typeface="Times New Roman" panose="02020603050405020304" pitchFamily="18" charset="0"/>
-                <a:cs typeface="Times New Roman" panose="02020603050405020304" pitchFamily="18" charset="0"/>
-              </a:rPr>
-              <a:t>Chứng</a:t>
-            </a:r>
-            <a:r>
-              <a:rPr lang="en-US" dirty="0" smtClean="0">
-                <a:latin typeface="Times New Roman" panose="02020603050405020304" pitchFamily="18" charset="0"/>
-                <a:cs typeface="Times New Roman" panose="02020603050405020304" pitchFamily="18" charset="0"/>
-              </a:rPr>
-              <a:t> </a:t>
-            </a:r>
-            <a:r>
-              <a:rPr lang="vi-VN" dirty="0" smtClean="0">
-                <a:latin typeface="Times New Roman" panose="02020603050405020304" pitchFamily="18" charset="0"/>
-                <a:cs typeface="Times New Roman" panose="02020603050405020304" pitchFamily="18" charset="0"/>
-              </a:rPr>
-              <a:t>minh </a:t>
+              <a:t>Trình bày các sản phẩm: “Mockup”, “Bản mẫu (Prototype)”, và “Chứng</a:t>
+            </a:r>
+            <a:r>
+              <a:rPr lang="en-US" dirty="0">
+                <a:latin typeface="Times New Roman" panose="02020603050405020304" pitchFamily="18" charset="0"/>
+                <a:cs typeface="Times New Roman" panose="02020603050405020304" pitchFamily="18" charset="0"/>
+              </a:rPr>
+              <a:t> </a:t>
             </a:r>
             <a:r>
               <a:rPr lang="vi-VN" dirty="0">
                 <a:latin typeface="Times New Roman" panose="02020603050405020304" pitchFamily="18" charset="0"/>
                 <a:cs typeface="Times New Roman" panose="02020603050405020304" pitchFamily="18" charset="0"/>
               </a:rPr>
-              <a:t>ý tưởng (Proof of Concept)” của nhóm. Theo nhóm, ngoài các </a:t>
-            </a:r>
-            <a:r>
-              <a:rPr lang="vi-VN" dirty="0" smtClean="0">
-                <a:latin typeface="Times New Roman" panose="02020603050405020304" pitchFamily="18" charset="0"/>
-                <a:cs typeface="Times New Roman" panose="02020603050405020304" pitchFamily="18" charset="0"/>
-              </a:rPr>
-              <a:t>sản</a:t>
-            </a:r>
-            <a:r>
-              <a:rPr lang="en-US" dirty="0" smtClean="0">
-                <a:latin typeface="Times New Roman" panose="02020603050405020304" pitchFamily="18" charset="0"/>
-                <a:cs typeface="Times New Roman" panose="02020603050405020304" pitchFamily="18" charset="0"/>
-              </a:rPr>
-              <a:t> </a:t>
-            </a:r>
-            <a:r>
-              <a:rPr lang="vi-VN" dirty="0" smtClean="0">
-                <a:latin typeface="Times New Roman" panose="02020603050405020304" pitchFamily="18" charset="0"/>
-                <a:cs typeface="Times New Roman" panose="02020603050405020304" pitchFamily="18" charset="0"/>
-              </a:rPr>
-              <a:t>phẩm </a:t>
+              <a:t>minh ý tưởng (Proof of Concept)” của nhóm. Theo nhóm, ngoài các sản</a:t>
+            </a:r>
+            <a:r>
+              <a:rPr lang="en-US" dirty="0">
+                <a:latin typeface="Times New Roman" panose="02020603050405020304" pitchFamily="18" charset="0"/>
+                <a:cs typeface="Times New Roman" panose="02020603050405020304" pitchFamily="18" charset="0"/>
+              </a:rPr>
+              <a:t> </a:t>
             </a:r>
             <a:r>
               <a:rPr lang="vi-VN" dirty="0">
                 <a:latin typeface="Times New Roman" panose="02020603050405020304" pitchFamily="18" charset="0"/>
                 <a:cs typeface="Times New Roman" panose="02020603050405020304" pitchFamily="18" charset="0"/>
               </a:rPr>
-              <a:t>này, còn có những cách nào khác để </a:t>
-            </a:r>
-            <a:r>
-              <a:rPr lang="vi-VN" dirty="0" smtClean="0">
-                <a:latin typeface="Times New Roman" panose="02020603050405020304" pitchFamily="18" charset="0"/>
-                <a:cs typeface="Times New Roman" panose="02020603050405020304" pitchFamily="18" charset="0"/>
-              </a:rPr>
-              <a:t>hứng </a:t>
+              <a:t>phẩm này, còn có những cách nào khác để hứng minh nhóm có khả</a:t>
+            </a:r>
+            <a:r>
+              <a:rPr lang="en-US" dirty="0">
+                <a:latin typeface="Times New Roman" panose="02020603050405020304" pitchFamily="18" charset="0"/>
+                <a:cs typeface="Times New Roman" panose="02020603050405020304" pitchFamily="18" charset="0"/>
+              </a:rPr>
+              <a:t> </a:t>
             </a:r>
             <a:r>
               <a:rPr lang="vi-VN" dirty="0">
                 <a:latin typeface="Times New Roman" panose="02020603050405020304" pitchFamily="18" charset="0"/>
                 <a:cs typeface="Times New Roman" panose="02020603050405020304" pitchFamily="18" charset="0"/>
               </a:rPr>
-              <a:t>minh nhóm có </a:t>
-            </a:r>
-            <a:r>
-              <a:rPr lang="vi-VN" dirty="0" smtClean="0">
-                <a:latin typeface="Times New Roman" panose="02020603050405020304" pitchFamily="18" charset="0"/>
-                <a:cs typeface="Times New Roman" panose="02020603050405020304" pitchFamily="18" charset="0"/>
-              </a:rPr>
-              <a:t>khả</a:t>
-            </a:r>
-            <a:r>
-              <a:rPr lang="en-US" dirty="0" smtClean="0">
-                <a:latin typeface="Times New Roman" panose="02020603050405020304" pitchFamily="18" charset="0"/>
-                <a:cs typeface="Times New Roman" panose="02020603050405020304" pitchFamily="18" charset="0"/>
-              </a:rPr>
-              <a:t> </a:t>
-            </a:r>
-            <a:r>
-              <a:rPr lang="vi-VN" dirty="0" smtClean="0">
-                <a:latin typeface="Times New Roman" panose="02020603050405020304" pitchFamily="18" charset="0"/>
-                <a:cs typeface="Times New Roman" panose="02020603050405020304" pitchFamily="18" charset="0"/>
-              </a:rPr>
-              <a:t>năng </a:t>
-            </a:r>
-            <a:r>
-              <a:rPr lang="vi-VN" dirty="0">
-                <a:latin typeface="Times New Roman" panose="02020603050405020304" pitchFamily="18" charset="0"/>
-                <a:cs typeface="Times New Roman" panose="02020603050405020304" pitchFamily="18" charset="0"/>
-              </a:rPr>
-              <a:t>hoàn thành dự án về mặt kỹ </a:t>
-            </a:r>
-            <a:r>
-              <a:rPr lang="vi-VN" dirty="0" smtClean="0">
-                <a:latin typeface="Times New Roman" panose="02020603050405020304" pitchFamily="18" charset="0"/>
-                <a:cs typeface="Times New Roman" panose="02020603050405020304" pitchFamily="18" charset="0"/>
-              </a:rPr>
-              <a:t>thuật.</a:t>
+              <a:t>năng hoàn thành dự án về mặt kỹ thuật.</a:t>
             </a:r>
             <a:endParaRPr lang="en-US" dirty="0">
               <a:latin typeface="Times New Roman" panose="02020603050405020304" pitchFamily="18" charset="0"/>
@@ -6096,95 +6301,53 @@
               <a:buAutoNum type="arabicPeriod"/>
             </a:pPr>
             <a:r>
-              <a:rPr lang="vi-VN" dirty="0" smtClean="0">
-                <a:latin typeface="Times New Roman" panose="02020603050405020304" pitchFamily="18" charset="0"/>
-                <a:cs typeface="Times New Roman" panose="02020603050405020304" pitchFamily="18" charset="0"/>
-              </a:rPr>
-              <a:t>Trình </a:t>
-            </a:r>
-            <a:r>
               <a:rPr lang="vi-VN" dirty="0">
                 <a:latin typeface="Times New Roman" panose="02020603050405020304" pitchFamily="18" charset="0"/>
                 <a:cs typeface="Times New Roman" panose="02020603050405020304" pitchFamily="18" charset="0"/>
               </a:rPr>
-              <a:t>bày sản phẩm “Định nghĩa quy trình phát triển phần mềm” </a:t>
-            </a:r>
-            <a:r>
-              <a:rPr lang="vi-VN" dirty="0" smtClean="0">
-                <a:latin typeface="Times New Roman" panose="02020603050405020304" pitchFamily="18" charset="0"/>
-                <a:cs typeface="Times New Roman" panose="02020603050405020304" pitchFamily="18" charset="0"/>
-              </a:rPr>
-              <a:t>của</a:t>
-            </a:r>
-            <a:r>
-              <a:rPr lang="en-US" dirty="0" smtClean="0">
-                <a:latin typeface="Times New Roman" panose="02020603050405020304" pitchFamily="18" charset="0"/>
-                <a:cs typeface="Times New Roman" panose="02020603050405020304" pitchFamily="18" charset="0"/>
-              </a:rPr>
-              <a:t> </a:t>
-            </a:r>
-            <a:r>
-              <a:rPr lang="vi-VN" dirty="0" smtClean="0">
-                <a:latin typeface="Times New Roman" panose="02020603050405020304" pitchFamily="18" charset="0"/>
-                <a:cs typeface="Times New Roman" panose="02020603050405020304" pitchFamily="18" charset="0"/>
-              </a:rPr>
-              <a:t>nhóm</a:t>
+              <a:t>Trình bày sản phẩm “Định nghĩa quy trình phát triển phần mềm” của</a:t>
+            </a:r>
+            <a:r>
+              <a:rPr lang="en-US" dirty="0">
+                <a:latin typeface="Times New Roman" panose="02020603050405020304" pitchFamily="18" charset="0"/>
+                <a:cs typeface="Times New Roman" panose="02020603050405020304" pitchFamily="18" charset="0"/>
+              </a:rPr>
+              <a:t> </a:t>
             </a:r>
             <a:r>
               <a:rPr lang="vi-VN" dirty="0">
                 <a:latin typeface="Times New Roman" panose="02020603050405020304" pitchFamily="18" charset="0"/>
                 <a:cs typeface="Times New Roman" panose="02020603050405020304" pitchFamily="18" charset="0"/>
               </a:rPr>
-              <a:t>. Gợi ý: Các mốc </a:t>
-            </a:r>
-            <a:r>
-              <a:rPr lang="en-US" dirty="0" smtClean="0">
+              <a:t>nhóm. Gợi ý: Các mốc </a:t>
+            </a:r>
+            <a:r>
+              <a:rPr lang="en-US" dirty="0">
                 <a:latin typeface="Times New Roman" panose="02020603050405020304" pitchFamily="18" charset="0"/>
                 <a:cs typeface="Times New Roman" panose="02020603050405020304" pitchFamily="18" charset="0"/>
               </a:rPr>
               <a:t>t</a:t>
             </a:r>
             <a:r>
-              <a:rPr lang="vi-VN" dirty="0" smtClean="0">
-                <a:latin typeface="Times New Roman" panose="02020603050405020304" pitchFamily="18" charset="0"/>
-                <a:cs typeface="Times New Roman" panose="02020603050405020304" pitchFamily="18" charset="0"/>
-              </a:rPr>
-              <a:t>hời </a:t>
-            </a:r>
-            <a:r>
               <a:rPr lang="vi-VN" dirty="0">
                 <a:latin typeface="Times New Roman" panose="02020603050405020304" pitchFamily="18" charset="0"/>
                 <a:cs typeface="Times New Roman" panose="02020603050405020304" pitchFamily="18" charset="0"/>
               </a:rPr>
-              <a:t>gian (pha) nào? Các vai trò nào? Các </a:t>
-            </a:r>
-            <a:r>
-              <a:rPr lang="vi-VN" dirty="0" smtClean="0">
-                <a:latin typeface="Times New Roman" panose="02020603050405020304" pitchFamily="18" charset="0"/>
-                <a:cs typeface="Times New Roman" panose="02020603050405020304" pitchFamily="18" charset="0"/>
-              </a:rPr>
-              <a:t>hoạt</a:t>
-            </a:r>
-            <a:r>
-              <a:rPr lang="en-US" dirty="0" smtClean="0">
-                <a:latin typeface="Times New Roman" panose="02020603050405020304" pitchFamily="18" charset="0"/>
-                <a:cs typeface="Times New Roman" panose="02020603050405020304" pitchFamily="18" charset="0"/>
-              </a:rPr>
-              <a:t> </a:t>
-            </a:r>
-            <a:r>
-              <a:rPr lang="vi-VN" dirty="0" smtClean="0">
-                <a:latin typeface="Times New Roman" panose="02020603050405020304" pitchFamily="18" charset="0"/>
-                <a:cs typeface="Times New Roman" panose="02020603050405020304" pitchFamily="18" charset="0"/>
-              </a:rPr>
-              <a:t>động </a:t>
+              <a:t>hời gian (pha) nào? Các vai trò nào? Các hoạt</a:t>
+            </a:r>
+            <a:r>
+              <a:rPr lang="en-US" dirty="0">
+                <a:latin typeface="Times New Roman" panose="02020603050405020304" pitchFamily="18" charset="0"/>
+                <a:cs typeface="Times New Roman" panose="02020603050405020304" pitchFamily="18" charset="0"/>
+              </a:rPr>
+              <a:t> </a:t>
             </a:r>
             <a:r>
               <a:rPr lang="vi-VN" dirty="0">
                 <a:latin typeface="Times New Roman" panose="02020603050405020304" pitchFamily="18" charset="0"/>
                 <a:cs typeface="Times New Roman" panose="02020603050405020304" pitchFamily="18" charset="0"/>
               </a:rPr>
-              <a:t>nào? Các sản phẩm nào? </a:t>
+              <a:t>động nào? Các sản phẩm nào? </a:t>
             </a:r>
             <a:br>
               <a:rPr lang="vi-VN" dirty="0">
@@ -6209,13 +6372,6 @@
   <p:clrMapOvr>
     <a:masterClrMapping/>
   </p:clrMapOvr>
-  <p:timing>
-    <p:tnLst>
-      <p:par>
-        <p:cTn id="1" dur="indefinite" restart="never" nodeType="tmRoot"/>
-      </p:par>
-    </p:tnLst>
-  </p:timing>
 </p:sld>
 </file>
 
@@ -6384,25 +6540,18 @@
               <a:t>1. Tại sao nhóm phát triển đồ án này? Đồ án của nhóm giải quyết vấn đề gì trong cuộc </a:t>
             </a:r>
             <a:r>
-              <a:rPr lang="en-US" dirty="0" smtClean="0">
+              <a:rPr lang="en-US" dirty="0">
                 <a:latin typeface="Times New Roman" panose="02020603050405020304" pitchFamily="18" charset="0"/>
                 <a:cs typeface="Times New Roman" panose="02020603050405020304" pitchFamily="18" charset="0"/>
               </a:rPr>
               <a:t>s</a:t>
             </a:r>
             <a:r>
-              <a:rPr lang="vi-VN" dirty="0" smtClean="0">
-                <a:latin typeface="Times New Roman" panose="02020603050405020304" pitchFamily="18" charset="0"/>
-                <a:cs typeface="Times New Roman" panose="02020603050405020304" pitchFamily="18" charset="0"/>
-              </a:rPr>
-              <a:t>ống</a:t>
-            </a:r>
-            <a:r>
               <a:rPr lang="vi-VN" dirty="0">
                 <a:latin typeface="Times New Roman" panose="02020603050405020304" pitchFamily="18" charset="0"/>
                 <a:cs typeface="Times New Roman" panose="02020603050405020304" pitchFamily="18" charset="0"/>
               </a:rPr>
-              <a:t>? </a:t>
+              <a:t>ống? </a:t>
             </a:r>
             <a:endParaRPr lang="en-US" dirty="0">
               <a:latin typeface="Times New Roman" panose="02020603050405020304" pitchFamily="18" charset="0"/>
@@ -6472,13 +6621,6 @@
       </p:transition>
     </mc:Fallback>
   </mc:AlternateContent>
-  <p:timing>
-    <p:tnLst>
-      <p:par>
-        <p:cTn id="1" dur="indefinite" restart="never" nodeType="tmRoot"/>
-      </p:par>
-    </p:tnLst>
-  </p:timing>
 </p:sld>
 </file>
 
@@ -6531,10 +6673,6 @@
               <a:rPr lang="vi-VN" sz="2800" dirty="0"/>
               <a:t>1. Tại sao nhóm phát triển đồ án này? Đồ án của nhóm giải quyết vấn đề gì trong cuộc sống? </a:t>
             </a:r>
-            <a:r>
-              <a:rPr lang="en-US" sz="2800" dirty="0"/>
-              <a:t/>
-            </a:r>
             <a:br>
               <a:rPr lang="en-US" sz="2800" dirty="0"/>
             </a:br>
@@ -6594,18 +6732,11 @@
           <a:p>
             <a:pPr lvl="1"/>
             <a:r>
-              <a:rPr lang="en-US" sz="2400" dirty="0" smtClean="0">
-                <a:latin typeface="Times New Roman" panose="02020603050405020304" pitchFamily="18" charset="0"/>
-                <a:cs typeface="Times New Roman" panose="02020603050405020304" pitchFamily="18" charset="0"/>
-              </a:rPr>
-              <a:t>Nếu </a:t>
-            </a:r>
-            <a:r>
-              <a:rPr lang="en-US" sz="2400" dirty="0">
-                <a:latin typeface="Times New Roman" panose="02020603050405020304" pitchFamily="18" charset="0"/>
-                <a:cs typeface="Times New Roman" panose="02020603050405020304" pitchFamily="18" charset="0"/>
-              </a:rPr>
-              <a:t>đi học thì mất rất nhiều thời gian đi lai và tiền để đi học tại các trung tâm</a:t>
+              <a:rPr lang="en-US" sz="2400" dirty="0">
+                <a:latin typeface="Times New Roman" panose="02020603050405020304" pitchFamily="18" charset="0"/>
+                <a:cs typeface="Times New Roman" panose="02020603050405020304" pitchFamily="18" charset="0"/>
+              </a:rPr>
+              <a:t>Nếu đi học thì mất rất nhiều thời gian đi lai và tiền để đi học tại các trung tâm</a:t>
             </a:r>
           </a:p>
           <a:p>
@@ -7126,19 +7257,8 @@
                 <a:latin typeface="Times New Roman" panose="02020603050405020304" pitchFamily="18" charset="0"/>
                 <a:cs typeface="Times New Roman" panose="02020603050405020304" pitchFamily="18" charset="0"/>
               </a:rPr>
-              <a:t>ờng học chung dễ gây chán nên cho các bạn không theo kịp trên </a:t>
-            </a:r>
-            <a:r>
-              <a:rPr lang="en-US" sz="2400" dirty="0" smtClean="0">
-                <a:latin typeface="Times New Roman" panose="02020603050405020304" pitchFamily="18" charset="0"/>
-                <a:cs typeface="Times New Roman" panose="02020603050405020304" pitchFamily="18" charset="0"/>
-              </a:rPr>
-              <a:t>lớp</a:t>
-            </a:r>
-            <a:endParaRPr lang="en-US" sz="2400" dirty="0">
-              <a:latin typeface="Times New Roman" panose="02020603050405020304" pitchFamily="18" charset="0"/>
-              <a:cs typeface="Times New Roman" panose="02020603050405020304" pitchFamily="18" charset="0"/>
-            </a:endParaRPr>
+              <a:t>ờng học chung dễ gây chán nên cho các bạn không theo kịp trên lớp</a:t>
+            </a:r>
           </a:p>
           <a:p>
             <a:endParaRPr lang="en-US" dirty="0">
@@ -7169,13 +7289,6 @@
       </p:transition>
     </mc:Fallback>
   </mc:AlternateContent>
-  <p:timing>
-    <p:tnLst>
-      <p:par>
-        <p:cTn id="1" dur="indefinite" restart="never" nodeType="tmRoot"/>
-      </p:par>
-    </p:tnLst>
-  </p:timing>
 </p:sld>
 </file>
 
@@ -7228,10 +7341,6 @@
               <a:rPr lang="vi-VN" sz="3200" dirty="0"/>
               <a:t>1. Tại sao nhóm phát triển đồ án này? Đồ án của nhóm giải quyết vấn đề gì trong cuộc sống? </a:t>
             </a:r>
-            <a:r>
-              <a:rPr lang="en-US" sz="2800" dirty="0"/>
-              <a:t/>
-            </a:r>
             <a:br>
               <a:rPr lang="en-US" sz="2800" dirty="0"/>
             </a:br>
@@ -7400,35 +7509,7 @@
                 <a:latin typeface="Times New Roman" panose="02020603050405020304" pitchFamily="18" charset="0"/>
                 <a:cs typeface="Times New Roman" panose="02020603050405020304" pitchFamily="18" charset="0"/>
               </a:rPr>
-              <a:t>ời học linh động </a:t>
-            </a:r>
-            <a:r>
-              <a:rPr lang="en-US" sz="2400" dirty="0" smtClean="0">
-                <a:latin typeface="Times New Roman" panose="02020603050405020304" pitchFamily="18" charset="0"/>
-                <a:cs typeface="Times New Roman" panose="02020603050405020304" pitchFamily="18" charset="0"/>
-              </a:rPr>
-              <a:t>th</a:t>
-            </a:r>
-            <a:r>
-              <a:rPr lang="en-US" sz="2400" dirty="0">
-                <a:latin typeface="Times New Roman" panose="02020603050405020304" pitchFamily="18" charset="0"/>
-                <a:cs typeface="Times New Roman" panose="02020603050405020304" pitchFamily="18" charset="0"/>
-              </a:rPr>
-              <a:t>ờ</a:t>
-            </a:r>
-            <a:r>
-              <a:rPr lang="en-US" sz="2400" dirty="0" smtClean="0">
-                <a:latin typeface="Times New Roman" panose="02020603050405020304" pitchFamily="18" charset="0"/>
-                <a:cs typeface="Times New Roman" panose="02020603050405020304" pitchFamily="18" charset="0"/>
-              </a:rPr>
-              <a:t>i </a:t>
-            </a:r>
-            <a:r>
-              <a:rPr lang="en-US" sz="2400" dirty="0">
-                <a:latin typeface="Times New Roman" panose="02020603050405020304" pitchFamily="18" charset="0"/>
-                <a:cs typeface="Times New Roman" panose="02020603050405020304" pitchFamily="18" charset="0"/>
-              </a:rPr>
-              <a:t>gian của mình h</a:t>
+              <a:t>ời học linh động thời gian của mình h</a:t>
             </a:r>
             <a:r>
               <a:rPr lang="vi-VN" sz="2400" dirty="0">
@@ -8031,13 +8112,6 @@
   <p:clrMapOvr>
     <a:masterClrMapping/>
   </p:clrMapOvr>
-  <p:timing>
-    <p:tnLst>
-      <p:par>
-        <p:cTn id="1" dur="indefinite" restart="never" nodeType="tmRoot"/>
-      </p:par>
-    </p:tnLst>
-  </p:timing>
 </p:sld>
 </file>
 
@@ -8090,10 +8164,6 @@
               <a:rPr lang="vi-VN" sz="3100" dirty="0"/>
               <a:t>2. Nhóm dự kiến phát triển những gì để giải quyết các vấn đề đặt ra? </a:t>
             </a:r>
-            <a:r>
-              <a:rPr lang="en-US" dirty="0"/>
-              <a:t/>
-            </a:r>
             <a:br>
               <a:rPr lang="en-US" dirty="0"/>
             </a:br>
@@ -8130,19 +8200,8 @@
                 <a:latin typeface="Times New Roman" panose="02020603050405020304" pitchFamily="18" charset="0"/>
                 <a:cs typeface="Times New Roman" panose="02020603050405020304" pitchFamily="18" charset="0"/>
               </a:rPr>
-              <a:t>Chọn lọc những nội dung phù hợp dễ </a:t>
-            </a:r>
-            <a:r>
-              <a:rPr lang="en-US" sz="2400" dirty="0" smtClean="0">
-                <a:latin typeface="Times New Roman" panose="02020603050405020304" pitchFamily="18" charset="0"/>
-                <a:cs typeface="Times New Roman" panose="02020603050405020304" pitchFamily="18" charset="0"/>
-              </a:rPr>
-              <a:t>hiểu </a:t>
-            </a:r>
-            <a:endParaRPr lang="en-US" sz="2400" dirty="0">
-              <a:latin typeface="Times New Roman" panose="02020603050405020304" pitchFamily="18" charset="0"/>
-              <a:cs typeface="Times New Roman" panose="02020603050405020304" pitchFamily="18" charset="0"/>
-            </a:endParaRPr>
+              <a:t>Chọn lọc những nội dung phù hợp dễ hiểu </a:t>
+            </a:r>
           </a:p>
           <a:p>
             <a:pPr lvl="1"/>
@@ -8871,13 +8930,6 @@
       </p:transition>
     </mc:Fallback>
   </mc:AlternateContent>
-  <p:timing>
-    <p:tnLst>
-      <p:par>
-        <p:cTn id="1" dur="indefinite" restart="never" nodeType="tmRoot"/>
-      </p:par>
-    </p:tnLst>
-  </p:timing>
 </p:sld>
 </file>
 
@@ -8930,10 +8982,6 @@
               <a:rPr lang="vi-VN" sz="3100" dirty="0"/>
               <a:t>3. Nhóm làm sao để chứng minh mình có khả năng thực hiện đồ án này? </a:t>
             </a:r>
-            <a:r>
-              <a:rPr lang="en-US" dirty="0"/>
-              <a:t/>
-            </a:r>
             <a:br>
               <a:rPr lang="en-US" dirty="0"/>
             </a:br>
@@ -8973,21 +9021,7 @@
                 <a:latin typeface="Times New Roman" panose="02020603050405020304" pitchFamily="18" charset="0"/>
                 <a:cs typeface="Times New Roman" panose="02020603050405020304" pitchFamily="18" charset="0"/>
               </a:rPr>
-              <a:t>Nhóm có kế hoạch và lộ trình làm việc </a:t>
-            </a:r>
-            <a:r>
-              <a:rPr lang="en-US" sz="2400" dirty="0" smtClean="0">
-                <a:latin typeface="Times New Roman" panose="02020603050405020304" pitchFamily="18" charset="0"/>
-                <a:cs typeface="Times New Roman" panose="02020603050405020304" pitchFamily="18" charset="0"/>
-              </a:rPr>
-              <a:t>rõ </a:t>
-            </a:r>
-            <a:r>
-              <a:rPr lang="en-US" sz="2400" dirty="0">
-                <a:latin typeface="Times New Roman" panose="02020603050405020304" pitchFamily="18" charset="0"/>
-                <a:cs typeface="Times New Roman" panose="02020603050405020304" pitchFamily="18" charset="0"/>
-              </a:rPr>
-              <a:t>ràng nên các thành viên có thể dễ dàng hoàn thành dự án</a:t>
+              <a:t>Nhóm có kế hoạch và lộ trình làm việc rõ ràng nên các thành viên có thể dễ dàng hoàn thành dự án</a:t>
             </a:r>
           </a:p>
           <a:p>
@@ -9246,36 +9280,6 @@
           </a:p>
         </p:txBody>
       </p:sp>
-      <p:pic>
-        <p:nvPicPr>
-          <p:cNvPr id="5" name="Content Placeholder 3">
-            <a:extLst>
-              <a:ext uri="{FF2B5EF4-FFF2-40B4-BE49-F238E27FC236}">
-                <a16:creationId xmlns:a16="http://schemas.microsoft.com/office/drawing/2014/main" id="{2B4F23A8-7759-42B3-A475-7AE22F1154AC}"/>
-              </a:ext>
-            </a:extLst>
-          </p:cNvPr>
-          <p:cNvPicPr>
-            <a:picLocks noChangeAspect="1"/>
-          </p:cNvPicPr>
-          <p:nvPr/>
-        </p:nvPicPr>
-        <p:blipFill>
-          <a:blip r:embed="rId2"/>
-          <a:stretch>
-            <a:fillRect/>
-          </a:stretch>
-        </p:blipFill>
-        <p:spPr>
-          <a:xfrm>
-            <a:off x="5229638" y="1864659"/>
-            <a:ext cx="5124042" cy="4099307"/>
-          </a:xfrm>
-          <a:prstGeom prst="rect">
-            <a:avLst/>
-          </a:prstGeom>
-        </p:spPr>
-      </p:pic>
     </p:spTree>
     <p:extLst>
       <p:ext uri="{BB962C8B-B14F-4D97-AF65-F5344CB8AC3E}">
@@ -9298,13 +9302,6 @@
       </p:transition>
     </mc:Fallback>
   </mc:AlternateContent>
-  <p:timing>
-    <p:tnLst>
-      <p:par>
-        <p:cTn id="1" dur="indefinite" restart="never" nodeType="tmRoot"/>
-      </p:par>
-    </p:tnLst>
-  </p:timing>
 </p:sld>
 </file>
 
@@ -9330,7 +9327,7 @@
           <p:cNvPr id="2" name="Title 1">
             <a:extLst>
               <a:ext uri="{FF2B5EF4-FFF2-40B4-BE49-F238E27FC236}">
-                <a16:creationId xmlns:a16="http://schemas.microsoft.com/office/drawing/2014/main" id="{30077EDF-77E4-4CDB-A245-7A8091F33963}"/>
+                <a16:creationId xmlns:a16="http://schemas.microsoft.com/office/drawing/2014/main" id="{F22AAD73-9387-41B4-8E77-F1A0FE95BC8D}"/>
               </a:ext>
             </a:extLst>
           </p:cNvPr>
@@ -9343,373 +9340,83 @@
         </p:nvSpPr>
         <p:spPr/>
         <p:txBody>
-          <a:bodyPr>
-            <a:normAutofit/>
-          </a:bodyPr>
+          <a:bodyPr/>
           <a:lstStyle/>
           <a:p>
-            <a:r>
-              <a:rPr lang="vi-VN" sz="2800" dirty="0"/>
-              <a:t>4. Mô hình phát triển phần mềm nào, phù hợp với thời gian, chi phí và nhân lực của nhóm, được nhóm lựa chọn để thực hiện đồ án? </a:t>
-            </a:r>
-            <a:r>
-              <a:rPr lang="en-US" sz="2800" dirty="0"/>
-              <a:t/>
-            </a:r>
-            <a:br>
-              <a:rPr lang="en-US" sz="2800" dirty="0"/>
-            </a:br>
-            <a:endParaRPr lang="en-US" sz="2800" dirty="0"/>
+            <a:endParaRPr lang="en-US" dirty="0"/>
           </a:p>
         </p:txBody>
       </p:sp>
-      <p:sp>
-        <p:nvSpPr>
-          <p:cNvPr id="3" name="Content Placeholder 2">
+      <p:pic>
+        <p:nvPicPr>
+          <p:cNvPr id="4" name="Content Placeholder 3">
             <a:extLst>
               <a:ext uri="{FF2B5EF4-FFF2-40B4-BE49-F238E27FC236}">
-                <a16:creationId xmlns:a16="http://schemas.microsoft.com/office/drawing/2014/main" id="{DC060F55-F42B-4A8B-9B05-52BCC630FBE9}"/>
+                <a16:creationId xmlns:a16="http://schemas.microsoft.com/office/drawing/2014/main" id="{73E86A45-38AD-491E-8508-4F1688CFE7F8}"/>
               </a:ext>
             </a:extLst>
           </p:cNvPr>
-          <p:cNvSpPr>
-            <a:spLocks noGrp="1"/>
-          </p:cNvSpPr>
+          <p:cNvPicPr>
+            <a:picLocks noGrp="1"/>
+          </p:cNvPicPr>
           <p:nvPr>
             <p:ph idx="1"/>
           </p:nvPr>
-        </p:nvSpPr>
+        </p:nvPicPr>
+        <p:blipFill>
+          <a:blip r:embed="rId2"/>
+          <a:stretch>
+            <a:fillRect/>
+          </a:stretch>
+        </p:blipFill>
         <p:spPr>
           <a:xfrm>
-            <a:off x="1097280" y="2108201"/>
-            <a:ext cx="10058400" cy="3987799"/>
+            <a:off x="6453385" y="286601"/>
+            <a:ext cx="5316248" cy="6105490"/>
           </a:xfrm>
+          <a:prstGeom prst="rect">
+            <a:avLst/>
+          </a:prstGeom>
         </p:spPr>
-        <p:txBody>
-          <a:bodyPr>
-            <a:noAutofit/>
-          </a:bodyPr>
-          <a:lstStyle/>
-          <a:p>
-            <a:r>
-              <a:rPr lang="en-US" sz="2400" b="1" dirty="0" err="1">
-                <a:latin typeface="Times New Roman" panose="02020603050405020304" pitchFamily="18" charset="0"/>
-                <a:cs typeface="Times New Roman" panose="02020603050405020304" pitchFamily="18" charset="0"/>
-              </a:rPr>
-              <a:t>Mô</a:t>
-            </a:r>
-            <a:r>
-              <a:rPr lang="en-US" sz="2400" b="1" dirty="0">
-                <a:latin typeface="Times New Roman" panose="02020603050405020304" pitchFamily="18" charset="0"/>
-                <a:cs typeface="Times New Roman" panose="02020603050405020304" pitchFamily="18" charset="0"/>
-              </a:rPr>
-              <a:t> </a:t>
-            </a:r>
-            <a:r>
-              <a:rPr lang="en-US" sz="2400" b="1" dirty="0" err="1">
-                <a:latin typeface="Times New Roman" panose="02020603050405020304" pitchFamily="18" charset="0"/>
-                <a:cs typeface="Times New Roman" panose="02020603050405020304" pitchFamily="18" charset="0"/>
-              </a:rPr>
-              <a:t>hình</a:t>
-            </a:r>
-            <a:endParaRPr lang="en-US" sz="2400" b="1" dirty="0">
-              <a:latin typeface="Times New Roman" panose="02020603050405020304" pitchFamily="18" charset="0"/>
-              <a:cs typeface="Times New Roman" panose="02020603050405020304" pitchFamily="18" charset="0"/>
-            </a:endParaRPr>
-          </a:p>
-          <a:p>
-            <a:r>
-              <a:rPr lang="en-US" sz="2400" dirty="0" err="1">
-                <a:latin typeface="Times New Roman" panose="02020603050405020304" pitchFamily="18" charset="0"/>
-                <a:cs typeface="Times New Roman" panose="02020603050405020304" pitchFamily="18" charset="0"/>
-              </a:rPr>
-              <a:t>Mô</a:t>
-            </a:r>
-            <a:r>
-              <a:rPr lang="en-US" sz="2400" dirty="0">
-                <a:latin typeface="Times New Roman" panose="02020603050405020304" pitchFamily="18" charset="0"/>
-                <a:cs typeface="Times New Roman" panose="02020603050405020304" pitchFamily="18" charset="0"/>
-              </a:rPr>
-              <a:t> </a:t>
-            </a:r>
-            <a:r>
-              <a:rPr lang="en-US" sz="2400" dirty="0" err="1">
-                <a:latin typeface="Times New Roman" panose="02020603050405020304" pitchFamily="18" charset="0"/>
-                <a:cs typeface="Times New Roman" panose="02020603050405020304" pitchFamily="18" charset="0"/>
-              </a:rPr>
-              <a:t>hình</a:t>
-            </a:r>
-            <a:r>
-              <a:rPr lang="en-US" sz="2400" dirty="0">
-                <a:latin typeface="Times New Roman" panose="02020603050405020304" pitchFamily="18" charset="0"/>
-                <a:cs typeface="Times New Roman" panose="02020603050405020304" pitchFamily="18" charset="0"/>
-              </a:rPr>
-              <a:t> </a:t>
-            </a:r>
-            <a:r>
-              <a:rPr lang="en-US" sz="2400" dirty="0" err="1">
-                <a:latin typeface="Times New Roman" panose="02020603050405020304" pitchFamily="18" charset="0"/>
-                <a:cs typeface="Times New Roman" panose="02020603050405020304" pitchFamily="18" charset="0"/>
-              </a:rPr>
-              <a:t>phát</a:t>
-            </a:r>
-            <a:r>
-              <a:rPr lang="en-US" sz="2400" dirty="0">
-                <a:latin typeface="Times New Roman" panose="02020603050405020304" pitchFamily="18" charset="0"/>
-                <a:cs typeface="Times New Roman" panose="02020603050405020304" pitchFamily="18" charset="0"/>
-              </a:rPr>
-              <a:t> </a:t>
-            </a:r>
-            <a:r>
-              <a:rPr lang="en-US" sz="2400" dirty="0" err="1">
-                <a:latin typeface="Times New Roman" panose="02020603050405020304" pitchFamily="18" charset="0"/>
-                <a:cs typeface="Times New Roman" panose="02020603050405020304" pitchFamily="18" charset="0"/>
-              </a:rPr>
-              <a:t>triển</a:t>
-            </a:r>
-            <a:r>
-              <a:rPr lang="en-US" sz="2400" dirty="0">
-                <a:latin typeface="Times New Roman" panose="02020603050405020304" pitchFamily="18" charset="0"/>
-                <a:cs typeface="Times New Roman" panose="02020603050405020304" pitchFamily="18" charset="0"/>
-              </a:rPr>
-              <a:t> </a:t>
-            </a:r>
-            <a:r>
-              <a:rPr lang="en-US" sz="2400" dirty="0" err="1">
-                <a:latin typeface="Times New Roman" panose="02020603050405020304" pitchFamily="18" charset="0"/>
-                <a:cs typeface="Times New Roman" panose="02020603050405020304" pitchFamily="18" charset="0"/>
-              </a:rPr>
-              <a:t>phù</a:t>
-            </a:r>
-            <a:r>
-              <a:rPr lang="en-US" sz="2400" dirty="0">
-                <a:latin typeface="Times New Roman" panose="02020603050405020304" pitchFamily="18" charset="0"/>
-                <a:cs typeface="Times New Roman" panose="02020603050405020304" pitchFamily="18" charset="0"/>
-              </a:rPr>
-              <a:t> </a:t>
-            </a:r>
-            <a:r>
-              <a:rPr lang="en-US" sz="2400" dirty="0" err="1">
-                <a:latin typeface="Times New Roman" panose="02020603050405020304" pitchFamily="18" charset="0"/>
-                <a:cs typeface="Times New Roman" panose="02020603050405020304" pitchFamily="18" charset="0"/>
-              </a:rPr>
-              <a:t>hợp</a:t>
-            </a:r>
-            <a:r>
-              <a:rPr lang="en-US" sz="2400" dirty="0">
-                <a:latin typeface="Times New Roman" panose="02020603050405020304" pitchFamily="18" charset="0"/>
-                <a:cs typeface="Times New Roman" panose="02020603050405020304" pitchFamily="18" charset="0"/>
-              </a:rPr>
-              <a:t> </a:t>
-            </a:r>
-            <a:r>
-              <a:rPr lang="en-US" sz="2400" dirty="0" err="1">
-                <a:latin typeface="Times New Roman" panose="02020603050405020304" pitchFamily="18" charset="0"/>
-                <a:cs typeface="Times New Roman" panose="02020603050405020304" pitchFamily="18" charset="0"/>
-              </a:rPr>
-              <a:t>vói</a:t>
-            </a:r>
-            <a:r>
-              <a:rPr lang="en-US" sz="2400" dirty="0">
-                <a:latin typeface="Times New Roman" panose="02020603050405020304" pitchFamily="18" charset="0"/>
-                <a:cs typeface="Times New Roman" panose="02020603050405020304" pitchFamily="18" charset="0"/>
-              </a:rPr>
-              <a:t> </a:t>
-            </a:r>
-            <a:r>
-              <a:rPr lang="en-US" sz="2400" dirty="0" err="1">
-                <a:latin typeface="Times New Roman" panose="02020603050405020304" pitchFamily="18" charset="0"/>
-                <a:cs typeface="Times New Roman" panose="02020603050405020304" pitchFamily="18" charset="0"/>
-              </a:rPr>
-              <a:t>nhóm</a:t>
-            </a:r>
-            <a:r>
-              <a:rPr lang="en-US" sz="2400" dirty="0">
-                <a:latin typeface="Times New Roman" panose="02020603050405020304" pitchFamily="18" charset="0"/>
-                <a:cs typeface="Times New Roman" panose="02020603050405020304" pitchFamily="18" charset="0"/>
-              </a:rPr>
-              <a:t> </a:t>
-            </a:r>
-            <a:r>
-              <a:rPr lang="en-US" sz="2400" dirty="0" err="1">
-                <a:latin typeface="Times New Roman" panose="02020603050405020304" pitchFamily="18" charset="0"/>
-                <a:cs typeface="Times New Roman" panose="02020603050405020304" pitchFamily="18" charset="0"/>
-              </a:rPr>
-              <a:t>là</a:t>
-            </a:r>
-            <a:r>
-              <a:rPr lang="en-US" sz="2400" dirty="0">
-                <a:latin typeface="Times New Roman" panose="02020603050405020304" pitchFamily="18" charset="0"/>
-                <a:cs typeface="Times New Roman" panose="02020603050405020304" pitchFamily="18" charset="0"/>
-              </a:rPr>
-              <a:t> </a:t>
-            </a:r>
-            <a:r>
-              <a:rPr lang="en-US" sz="2400" dirty="0" err="1">
-                <a:latin typeface="Times New Roman" panose="02020603050405020304" pitchFamily="18" charset="0"/>
-                <a:cs typeface="Times New Roman" panose="02020603050405020304" pitchFamily="18" charset="0"/>
-              </a:rPr>
-              <a:t>Mô</a:t>
-            </a:r>
-            <a:r>
-              <a:rPr lang="en-US" sz="2400" dirty="0">
-                <a:latin typeface="Times New Roman" panose="02020603050405020304" pitchFamily="18" charset="0"/>
-                <a:cs typeface="Times New Roman" panose="02020603050405020304" pitchFamily="18" charset="0"/>
-              </a:rPr>
-              <a:t> </a:t>
-            </a:r>
-            <a:r>
-              <a:rPr lang="en-US" sz="2400" dirty="0" err="1">
-                <a:latin typeface="Times New Roman" panose="02020603050405020304" pitchFamily="18" charset="0"/>
-                <a:cs typeface="Times New Roman" panose="02020603050405020304" pitchFamily="18" charset="0"/>
-              </a:rPr>
-              <a:t>hình</a:t>
-            </a:r>
-            <a:r>
-              <a:rPr lang="en-US" sz="2400" dirty="0">
-                <a:latin typeface="Times New Roman" panose="02020603050405020304" pitchFamily="18" charset="0"/>
-                <a:cs typeface="Times New Roman" panose="02020603050405020304" pitchFamily="18" charset="0"/>
-              </a:rPr>
-              <a:t> Scrum</a:t>
-            </a:r>
-          </a:p>
-          <a:p>
-            <a:r>
-              <a:rPr lang="en-US" sz="2400" b="1" dirty="0">
-                <a:latin typeface="Times New Roman" panose="02020603050405020304" pitchFamily="18" charset="0"/>
-                <a:cs typeface="Times New Roman" panose="02020603050405020304" pitchFamily="18" charset="0"/>
-              </a:rPr>
-              <a:t>Chi </a:t>
-            </a:r>
-            <a:r>
-              <a:rPr lang="en-US" sz="2400" b="1" dirty="0" smtClean="0">
-                <a:latin typeface="Times New Roman" panose="02020603050405020304" pitchFamily="18" charset="0"/>
-                <a:cs typeface="Times New Roman" panose="02020603050405020304" pitchFamily="18" charset="0"/>
-              </a:rPr>
-              <a:t>phí</a:t>
-            </a:r>
-            <a:endParaRPr lang="en-US" sz="2400" b="1" dirty="0">
-              <a:latin typeface="Times New Roman" panose="02020603050405020304" pitchFamily="18" charset="0"/>
-              <a:cs typeface="Times New Roman" panose="02020603050405020304" pitchFamily="18" charset="0"/>
-            </a:endParaRPr>
-          </a:p>
-          <a:p>
-            <a:pPr>
-              <a:buFont typeface="Arial" panose="020B0604020202020204" pitchFamily="34" charset="0"/>
-              <a:buChar char="•"/>
-            </a:pPr>
-            <a:r>
-              <a:rPr lang="en-US" sz="2400" dirty="0" smtClean="0">
-                <a:latin typeface="Times New Roman" panose="02020603050405020304" pitchFamily="18" charset="0"/>
-                <a:cs typeface="Times New Roman" panose="02020603050405020304" pitchFamily="18" charset="0"/>
-              </a:rPr>
-              <a:t> Học phí: 11.250.000 VNĐ</a:t>
-            </a:r>
-          </a:p>
-          <a:p>
-            <a:pPr>
-              <a:buFont typeface="Arial" panose="020B0604020202020204" pitchFamily="34" charset="0"/>
-              <a:buChar char="•"/>
-            </a:pPr>
-            <a:r>
-              <a:rPr lang="en-US" sz="2400" dirty="0" smtClean="0">
-                <a:latin typeface="Times New Roman" panose="02020603050405020304" pitchFamily="18" charset="0"/>
-                <a:cs typeface="Times New Roman" panose="02020603050405020304" pitchFamily="18" charset="0"/>
-              </a:rPr>
-              <a:t>Mua </a:t>
-            </a:r>
-            <a:r>
-              <a:rPr lang="en-US" sz="2400" dirty="0">
-                <a:latin typeface="Times New Roman" panose="02020603050405020304" pitchFamily="18" charset="0"/>
-                <a:cs typeface="Times New Roman" panose="02020603050405020304" pitchFamily="18" charset="0"/>
-              </a:rPr>
-              <a:t>tên miền và duy trì tên miền: 380.000 VNĐ/năm</a:t>
-            </a:r>
-            <a:r>
-              <a:rPr lang="en-US" sz="2400" dirty="0" smtClean="0">
-                <a:latin typeface="Times New Roman" panose="02020603050405020304" pitchFamily="18" charset="0"/>
-                <a:cs typeface="Times New Roman" panose="02020603050405020304" pitchFamily="18" charset="0"/>
-              </a:rPr>
-              <a:t>.</a:t>
-            </a:r>
-          </a:p>
-          <a:p>
-            <a:pPr>
-              <a:buFont typeface="Arial" panose="020B0604020202020204" pitchFamily="34" charset="0"/>
-              <a:buChar char="•"/>
-            </a:pPr>
-            <a:r>
-              <a:rPr lang="en-US" sz="2400" dirty="0" smtClean="0">
-                <a:latin typeface="Times New Roman" panose="02020603050405020304" pitchFamily="18" charset="0"/>
-                <a:cs typeface="Times New Roman" panose="02020603050405020304" pitchFamily="18" charset="0"/>
-              </a:rPr>
-              <a:t> Chi </a:t>
-            </a:r>
-            <a:r>
-              <a:rPr lang="en-US" sz="2400" dirty="0">
-                <a:latin typeface="Times New Roman" panose="02020603050405020304" pitchFamily="18" charset="0"/>
-                <a:cs typeface="Times New Roman" panose="02020603050405020304" pitchFamily="18" charset="0"/>
-              </a:rPr>
-              <a:t>phí cloud: ~300.000 VNĐ/tháng, tùy vào lượng user sử dụng.</a:t>
-            </a:r>
-          </a:p>
-          <a:p>
-            <a:pPr>
-              <a:buFont typeface="Arial" panose="020B0604020202020204" pitchFamily="34" charset="0"/>
-              <a:buChar char="•"/>
-            </a:pPr>
-            <a:r>
-              <a:rPr lang="en-US" sz="2400" dirty="0" smtClean="0">
-                <a:latin typeface="Times New Roman" panose="02020603050405020304" pitchFamily="18" charset="0"/>
-                <a:cs typeface="Times New Roman" panose="02020603050405020304" pitchFamily="18" charset="0"/>
-              </a:rPr>
-              <a:t> Marketing</a:t>
-            </a:r>
-            <a:r>
-              <a:rPr lang="en-US" sz="2400" dirty="0">
-                <a:latin typeface="Times New Roman" panose="02020603050405020304" pitchFamily="18" charset="0"/>
-                <a:cs typeface="Times New Roman" panose="02020603050405020304" pitchFamily="18" charset="0"/>
-              </a:rPr>
-              <a:t>: ~1.000.000 VNĐ</a:t>
-            </a:r>
-          </a:p>
-          <a:p>
-            <a:endParaRPr lang="en-US" sz="2400" dirty="0">
-              <a:latin typeface="Times New Roman" panose="02020603050405020304" pitchFamily="18" charset="0"/>
-              <a:cs typeface="Times New Roman" panose="02020603050405020304" pitchFamily="18" charset="0"/>
-            </a:endParaRPr>
-          </a:p>
-        </p:txBody>
-      </p:sp>
+      </p:pic>
+      <p:pic>
+        <p:nvPicPr>
+          <p:cNvPr id="5" name="Picture 4">
+            <a:extLst>
+              <a:ext uri="{FF2B5EF4-FFF2-40B4-BE49-F238E27FC236}">
+                <a16:creationId xmlns:a16="http://schemas.microsoft.com/office/drawing/2014/main" id="{0A4D42F5-E789-4436-A5EB-7192181EB47C}"/>
+              </a:ext>
+            </a:extLst>
+          </p:cNvPr>
+          <p:cNvPicPr/>
+          <p:nvPr/>
+        </p:nvPicPr>
+        <p:blipFill>
+          <a:blip r:embed="rId3"/>
+          <a:stretch>
+            <a:fillRect/>
+          </a:stretch>
+        </p:blipFill>
+        <p:spPr>
+          <a:xfrm>
+            <a:off x="422367" y="286601"/>
+            <a:ext cx="5943600" cy="4459570"/>
+          </a:xfrm>
+          <a:prstGeom prst="rect">
+            <a:avLst/>
+          </a:prstGeom>
+        </p:spPr>
+      </p:pic>
     </p:spTree>
     <p:extLst>
       <p:ext uri="{BB962C8B-B14F-4D97-AF65-F5344CB8AC3E}">
-        <p14:creationId xmlns:p14="http://schemas.microsoft.com/office/powerpoint/2010/main" val="2565327400"/>
+        <p14:creationId xmlns:p14="http://schemas.microsoft.com/office/powerpoint/2010/main" val="2313418190"/>
       </p:ext>
     </p:extLst>
   </p:cSld>
   <p:clrMapOvr>
     <a:masterClrMapping/>
   </p:clrMapOvr>
-  <mc:AlternateContent xmlns:mc="http://schemas.openxmlformats.org/markup-compatibility/2006" xmlns:p15="http://schemas.microsoft.com/office/powerpoint/2012/main">
-    <mc:Choice Requires="p15">
-      <p:transition xmlns:p14="http://schemas.microsoft.com/office/powerpoint/2010/main" spd="slow" p14:dur="2000">
-        <p15:prstTrans prst="wind"/>
-      </p:transition>
-    </mc:Choice>
-    <mc:Fallback xmlns="">
-      <p:transition spd="slow">
-        <p:fade/>
-      </p:transition>
-    </mc:Fallback>
-  </mc:AlternateContent>
-  <p:timing>
-    <p:tnLst>
-      <p:par>
-        <p:cTn id="1" dur="indefinite" restart="never" nodeType="tmRoot"/>
-      </p:par>
-    </p:tnLst>
-  </p:timing>
 </p:sld>
 </file>
 
